--- a/input_files/shapes_presentation.pptx
+++ b/input_files/shapes_presentation.pptx
@@ -3152,6 +3152,14 @@
           <a:prstGeom prst="roundRect">
             <a:avLst/>
           </a:prstGeom>
+          <a:solidFill>
+            <a:srgbClr val="DDEBF7"/>
+          </a:solidFill>
+          <a:ln w="12700">
+            <a:solidFill>
+              <a:srgbClr val="0070C0"/>
+            </a:solidFill>
+          </a:ln>
         </p:spPr>
         <p:style>
           <a:lnRef idx="1">
@@ -3191,6 +3199,14 @@
           <a:prstGeom prst="rect">
             <a:avLst/>
           </a:prstGeom>
+          <a:solidFill>
+            <a:srgbClr val="DDEBF7"/>
+          </a:solidFill>
+          <a:ln w="12700">
+            <a:solidFill>
+              <a:srgbClr val="0070C0"/>
+            </a:solidFill>
+          </a:ln>
         </p:spPr>
         <p:style>
           <a:lnRef idx="1">
@@ -3230,6 +3246,14 @@
           <a:prstGeom prst="diamond">
             <a:avLst/>
           </a:prstGeom>
+          <a:solidFill>
+            <a:srgbClr val="DDEBF7"/>
+          </a:solidFill>
+          <a:ln w="12700">
+            <a:solidFill>
+              <a:srgbClr val="0070C0"/>
+            </a:solidFill>
+          </a:ln>
         </p:spPr>
         <p:style>
           <a:lnRef idx="1">
@@ -3269,6 +3293,14 @@
           <a:prstGeom prst="rect">
             <a:avLst/>
           </a:prstGeom>
+          <a:solidFill>
+            <a:srgbClr val="DDEBF7"/>
+          </a:solidFill>
+          <a:ln w="12700">
+            <a:solidFill>
+              <a:srgbClr val="0070C0"/>
+            </a:solidFill>
+          </a:ln>
         </p:spPr>
         <p:style>
           <a:lnRef idx="1">
@@ -3308,6 +3340,14 @@
           <a:prstGeom prst="ellipse">
             <a:avLst/>
           </a:prstGeom>
+          <a:solidFill>
+            <a:srgbClr val="DDEBF7"/>
+          </a:solidFill>
+          <a:ln w="12700">
+            <a:solidFill>
+              <a:srgbClr val="0070C0"/>
+            </a:solidFill>
+          </a:ln>
         </p:spPr>
         <p:style>
           <a:lnRef idx="1">
@@ -3347,6 +3387,11 @@
           <a:prstGeom prst="line">
             <a:avLst/>
           </a:prstGeom>
+          <a:ln w="19050">
+            <a:solidFill>
+              <a:srgbClr val="0070C0"/>
+            </a:solidFill>
+          </a:ln>
         </p:spPr>
         <p:style>
           <a:lnRef idx="2">
@@ -3377,6 +3422,11 @@
           <a:prstGeom prst="line">
             <a:avLst/>
           </a:prstGeom>
+          <a:ln w="19050">
+            <a:solidFill>
+              <a:srgbClr val="0070C0"/>
+            </a:solidFill>
+          </a:ln>
         </p:spPr>
         <p:style>
           <a:lnRef idx="2">
@@ -3407,6 +3457,11 @@
           <a:prstGeom prst="bentConnector3">
             <a:avLst/>
           </a:prstGeom>
+          <a:ln w="19050">
+            <a:solidFill>
+              <a:srgbClr val="0070C0"/>
+            </a:solidFill>
+          </a:ln>
         </p:spPr>
         <p:style>
           <a:lnRef idx="2">
@@ -3437,6 +3492,11 @@
           <a:prstGeom prst="line">
             <a:avLst/>
           </a:prstGeom>
+          <a:ln w="19050">
+            <a:solidFill>
+              <a:srgbClr val="0070C0"/>
+            </a:solidFill>
+          </a:ln>
         </p:spPr>
         <p:style>
           <a:lnRef idx="2">
@@ -3533,6 +3593,14 @@
           <a:prstGeom prst="rect">
             <a:avLst/>
           </a:prstGeom>
+          <a:solidFill>
+            <a:srgbClr val="DDEBF7"/>
+          </a:solidFill>
+          <a:ln w="12700">
+            <a:solidFill>
+              <a:srgbClr val="0070C0"/>
+            </a:solidFill>
+          </a:ln>
         </p:spPr>
         <p:style>
           <a:lnRef idx="1">
@@ -3572,6 +3640,14 @@
           <a:prstGeom prst="roundRect">
             <a:avLst/>
           </a:prstGeom>
+          <a:solidFill>
+            <a:srgbClr val="DDEBF7"/>
+          </a:solidFill>
+          <a:ln w="12700">
+            <a:solidFill>
+              <a:srgbClr val="0070C0"/>
+            </a:solidFill>
+          </a:ln>
         </p:spPr>
         <p:style>
           <a:lnRef idx="1">
@@ -3611,6 +3687,14 @@
           <a:prstGeom prst="ellipse">
             <a:avLst/>
           </a:prstGeom>
+          <a:solidFill>
+            <a:srgbClr val="DDEBF7"/>
+          </a:solidFill>
+          <a:ln w="12700">
+            <a:solidFill>
+              <a:srgbClr val="0070C0"/>
+            </a:solidFill>
+          </a:ln>
         </p:spPr>
         <p:style>
           <a:lnRef idx="1">
@@ -3650,6 +3734,14 @@
           <a:prstGeom prst="diamond">
             <a:avLst/>
           </a:prstGeom>
+          <a:solidFill>
+            <a:srgbClr val="DDEBF7"/>
+          </a:solidFill>
+          <a:ln w="12700">
+            <a:solidFill>
+              <a:srgbClr val="0070C0"/>
+            </a:solidFill>
+          </a:ln>
         </p:spPr>
         <p:style>
           <a:lnRef idx="1">
@@ -3689,6 +3781,14 @@
           <a:prstGeom prst="parallelogram">
             <a:avLst/>
           </a:prstGeom>
+          <a:solidFill>
+            <a:srgbClr val="DDEBF7"/>
+          </a:solidFill>
+          <a:ln w="12700">
+            <a:solidFill>
+              <a:srgbClr val="0070C0"/>
+            </a:solidFill>
+          </a:ln>
         </p:spPr>
         <p:style>
           <a:lnRef idx="1">
@@ -3728,6 +3828,14 @@
           <a:prstGeom prst="trapezoid">
             <a:avLst/>
           </a:prstGeom>
+          <a:solidFill>
+            <a:srgbClr val="DDEBF7"/>
+          </a:solidFill>
+          <a:ln w="12700">
+            <a:solidFill>
+              <a:srgbClr val="0070C0"/>
+            </a:solidFill>
+          </a:ln>
         </p:spPr>
         <p:style>
           <a:lnRef idx="1">
@@ -3767,6 +3875,14 @@
           <a:prstGeom prst="homePlate">
             <a:avLst/>
           </a:prstGeom>
+          <a:solidFill>
+            <a:srgbClr val="DDEBF7"/>
+          </a:solidFill>
+          <a:ln w="12700">
+            <a:solidFill>
+              <a:srgbClr val="0070C0"/>
+            </a:solidFill>
+          </a:ln>
         </p:spPr>
         <p:style>
           <a:lnRef idx="1">
@@ -3806,6 +3922,14 @@
           <a:prstGeom prst="hexagon">
             <a:avLst/>
           </a:prstGeom>
+          <a:solidFill>
+            <a:srgbClr val="DDEBF7"/>
+          </a:solidFill>
+          <a:ln w="12700">
+            <a:solidFill>
+              <a:srgbClr val="0070C0"/>
+            </a:solidFill>
+          </a:ln>
         </p:spPr>
         <p:style>
           <a:lnRef idx="1">
@@ -3911,6 +4035,14 @@
           <a:prstGeom prst="rect">
             <a:avLst/>
           </a:prstGeom>
+          <a:solidFill>
+            <a:srgbClr val="DDEBF7"/>
+          </a:solidFill>
+          <a:ln w="12700">
+            <a:solidFill>
+              <a:srgbClr val="0070C0"/>
+            </a:solidFill>
+          </a:ln>
         </p:spPr>
         <p:style>
           <a:lnRef idx="1">
@@ -3950,6 +4082,14 @@
           <a:prstGeom prst="rect">
             <a:avLst/>
           </a:prstGeom>
+          <a:solidFill>
+            <a:srgbClr val="DDEBF7"/>
+          </a:solidFill>
+          <a:ln w="12700">
+            <a:solidFill>
+              <a:srgbClr val="0070C0"/>
+            </a:solidFill>
+          </a:ln>
         </p:spPr>
         <p:style>
           <a:lnRef idx="1">
@@ -3989,6 +4129,14 @@
           <a:prstGeom prst="rect">
             <a:avLst/>
           </a:prstGeom>
+          <a:solidFill>
+            <a:srgbClr val="DDEBF7"/>
+          </a:solidFill>
+          <a:ln w="12700">
+            <a:solidFill>
+              <a:srgbClr val="0070C0"/>
+            </a:solidFill>
+          </a:ln>
         </p:spPr>
         <p:style>
           <a:lnRef idx="1">
@@ -4028,6 +4176,14 @@
           <a:prstGeom prst="rect">
             <a:avLst/>
           </a:prstGeom>
+          <a:solidFill>
+            <a:srgbClr val="DDEBF7"/>
+          </a:solidFill>
+          <a:ln w="12700">
+            <a:solidFill>
+              <a:srgbClr val="0070C0"/>
+            </a:solidFill>
+          </a:ln>
         </p:spPr>
         <p:style>
           <a:lnRef idx="1">
@@ -4067,6 +4223,11 @@
           <a:prstGeom prst="line">
             <a:avLst/>
           </a:prstGeom>
+          <a:ln w="19050">
+            <a:solidFill>
+              <a:srgbClr val="0070C0"/>
+            </a:solidFill>
+          </a:ln>
         </p:spPr>
         <p:style>
           <a:lnRef idx="2">
@@ -4097,6 +4258,11 @@
           <a:prstGeom prst="bentConnector3">
             <a:avLst/>
           </a:prstGeom>
+          <a:ln w="19050">
+            <a:solidFill>
+              <a:srgbClr val="0070C0"/>
+            </a:solidFill>
+          </a:ln>
         </p:spPr>
         <p:style>
           <a:lnRef idx="2">
@@ -4127,6 +4293,11 @@
           <a:prstGeom prst="curvedConnector3">
             <a:avLst/>
           </a:prstGeom>
+          <a:ln w="19050">
+            <a:solidFill>
+              <a:srgbClr val="0070C0"/>
+            </a:solidFill>
+          </a:ln>
         </p:spPr>
         <p:style>
           <a:lnRef idx="2">

--- a/input_files/shapes_presentation.pptx
+++ b/input_files/shapes_presentation.pptx
@@ -3152,14 +3152,6 @@
           <a:prstGeom prst="roundRect">
             <a:avLst/>
           </a:prstGeom>
-          <a:solidFill>
-            <a:srgbClr val="DDEBF7"/>
-          </a:solidFill>
-          <a:ln w="12700">
-            <a:solidFill>
-              <a:srgbClr val="0070C0"/>
-            </a:solidFill>
-          </a:ln>
         </p:spPr>
         <p:style>
           <a:lnRef idx="1">
@@ -3199,14 +3191,6 @@
           <a:prstGeom prst="rect">
             <a:avLst/>
           </a:prstGeom>
-          <a:solidFill>
-            <a:srgbClr val="DDEBF7"/>
-          </a:solidFill>
-          <a:ln w="12700">
-            <a:solidFill>
-              <a:srgbClr val="0070C0"/>
-            </a:solidFill>
-          </a:ln>
         </p:spPr>
         <p:style>
           <a:lnRef idx="1">
@@ -3246,14 +3230,6 @@
           <a:prstGeom prst="diamond">
             <a:avLst/>
           </a:prstGeom>
-          <a:solidFill>
-            <a:srgbClr val="DDEBF7"/>
-          </a:solidFill>
-          <a:ln w="12700">
-            <a:solidFill>
-              <a:srgbClr val="0070C0"/>
-            </a:solidFill>
-          </a:ln>
         </p:spPr>
         <p:style>
           <a:lnRef idx="1">
@@ -3293,14 +3269,6 @@
           <a:prstGeom prst="rect">
             <a:avLst/>
           </a:prstGeom>
-          <a:solidFill>
-            <a:srgbClr val="DDEBF7"/>
-          </a:solidFill>
-          <a:ln w="12700">
-            <a:solidFill>
-              <a:srgbClr val="0070C0"/>
-            </a:solidFill>
-          </a:ln>
         </p:spPr>
         <p:style>
           <a:lnRef idx="1">
@@ -3340,14 +3308,6 @@
           <a:prstGeom prst="ellipse">
             <a:avLst/>
           </a:prstGeom>
-          <a:solidFill>
-            <a:srgbClr val="DDEBF7"/>
-          </a:solidFill>
-          <a:ln w="12700">
-            <a:solidFill>
-              <a:srgbClr val="0070C0"/>
-            </a:solidFill>
-          </a:ln>
         </p:spPr>
         <p:style>
           <a:lnRef idx="1">
@@ -3387,11 +3347,6 @@
           <a:prstGeom prst="line">
             <a:avLst/>
           </a:prstGeom>
-          <a:ln w="19050">
-            <a:solidFill>
-              <a:srgbClr val="0070C0"/>
-            </a:solidFill>
-          </a:ln>
         </p:spPr>
         <p:style>
           <a:lnRef idx="2">
@@ -3422,11 +3377,6 @@
           <a:prstGeom prst="line">
             <a:avLst/>
           </a:prstGeom>
-          <a:ln w="19050">
-            <a:solidFill>
-              <a:srgbClr val="0070C0"/>
-            </a:solidFill>
-          </a:ln>
         </p:spPr>
         <p:style>
           <a:lnRef idx="2">
@@ -3457,11 +3407,6 @@
           <a:prstGeom prst="bentConnector3">
             <a:avLst/>
           </a:prstGeom>
-          <a:ln w="19050">
-            <a:solidFill>
-              <a:srgbClr val="0070C0"/>
-            </a:solidFill>
-          </a:ln>
         </p:spPr>
         <p:style>
           <a:lnRef idx="2">
@@ -3492,11 +3437,6 @@
           <a:prstGeom prst="line">
             <a:avLst/>
           </a:prstGeom>
-          <a:ln w="19050">
-            <a:solidFill>
-              <a:srgbClr val="0070C0"/>
-            </a:solidFill>
-          </a:ln>
         </p:spPr>
         <p:style>
           <a:lnRef idx="2">
@@ -3593,14 +3533,6 @@
           <a:prstGeom prst="rect">
             <a:avLst/>
           </a:prstGeom>
-          <a:solidFill>
-            <a:srgbClr val="DDEBF7"/>
-          </a:solidFill>
-          <a:ln w="12700">
-            <a:solidFill>
-              <a:srgbClr val="0070C0"/>
-            </a:solidFill>
-          </a:ln>
         </p:spPr>
         <p:style>
           <a:lnRef idx="1">
@@ -3640,14 +3572,6 @@
           <a:prstGeom prst="roundRect">
             <a:avLst/>
           </a:prstGeom>
-          <a:solidFill>
-            <a:srgbClr val="DDEBF7"/>
-          </a:solidFill>
-          <a:ln w="12700">
-            <a:solidFill>
-              <a:srgbClr val="0070C0"/>
-            </a:solidFill>
-          </a:ln>
         </p:spPr>
         <p:style>
           <a:lnRef idx="1">
@@ -3687,14 +3611,6 @@
           <a:prstGeom prst="ellipse">
             <a:avLst/>
           </a:prstGeom>
-          <a:solidFill>
-            <a:srgbClr val="DDEBF7"/>
-          </a:solidFill>
-          <a:ln w="12700">
-            <a:solidFill>
-              <a:srgbClr val="0070C0"/>
-            </a:solidFill>
-          </a:ln>
         </p:spPr>
         <p:style>
           <a:lnRef idx="1">
@@ -3734,14 +3650,6 @@
           <a:prstGeom prst="diamond">
             <a:avLst/>
           </a:prstGeom>
-          <a:solidFill>
-            <a:srgbClr val="DDEBF7"/>
-          </a:solidFill>
-          <a:ln w="12700">
-            <a:solidFill>
-              <a:srgbClr val="0070C0"/>
-            </a:solidFill>
-          </a:ln>
         </p:spPr>
         <p:style>
           <a:lnRef idx="1">
@@ -3781,14 +3689,6 @@
           <a:prstGeom prst="parallelogram">
             <a:avLst/>
           </a:prstGeom>
-          <a:solidFill>
-            <a:srgbClr val="DDEBF7"/>
-          </a:solidFill>
-          <a:ln w="12700">
-            <a:solidFill>
-              <a:srgbClr val="0070C0"/>
-            </a:solidFill>
-          </a:ln>
         </p:spPr>
         <p:style>
           <a:lnRef idx="1">
@@ -3828,14 +3728,6 @@
           <a:prstGeom prst="trapezoid">
             <a:avLst/>
           </a:prstGeom>
-          <a:solidFill>
-            <a:srgbClr val="DDEBF7"/>
-          </a:solidFill>
-          <a:ln w="12700">
-            <a:solidFill>
-              <a:srgbClr val="0070C0"/>
-            </a:solidFill>
-          </a:ln>
         </p:spPr>
         <p:style>
           <a:lnRef idx="1">
@@ -3875,14 +3767,6 @@
           <a:prstGeom prst="homePlate">
             <a:avLst/>
           </a:prstGeom>
-          <a:solidFill>
-            <a:srgbClr val="DDEBF7"/>
-          </a:solidFill>
-          <a:ln w="12700">
-            <a:solidFill>
-              <a:srgbClr val="0070C0"/>
-            </a:solidFill>
-          </a:ln>
         </p:spPr>
         <p:style>
           <a:lnRef idx="1">
@@ -3922,14 +3806,6 @@
           <a:prstGeom prst="hexagon">
             <a:avLst/>
           </a:prstGeom>
-          <a:solidFill>
-            <a:srgbClr val="DDEBF7"/>
-          </a:solidFill>
-          <a:ln w="12700">
-            <a:solidFill>
-              <a:srgbClr val="0070C0"/>
-            </a:solidFill>
-          </a:ln>
         </p:spPr>
         <p:style>
           <a:lnRef idx="1">
@@ -4035,14 +3911,6 @@
           <a:prstGeom prst="rect">
             <a:avLst/>
           </a:prstGeom>
-          <a:solidFill>
-            <a:srgbClr val="DDEBF7"/>
-          </a:solidFill>
-          <a:ln w="12700">
-            <a:solidFill>
-              <a:srgbClr val="0070C0"/>
-            </a:solidFill>
-          </a:ln>
         </p:spPr>
         <p:style>
           <a:lnRef idx="1">
@@ -4082,14 +3950,6 @@
           <a:prstGeom prst="rect">
             <a:avLst/>
           </a:prstGeom>
-          <a:solidFill>
-            <a:srgbClr val="DDEBF7"/>
-          </a:solidFill>
-          <a:ln w="12700">
-            <a:solidFill>
-              <a:srgbClr val="0070C0"/>
-            </a:solidFill>
-          </a:ln>
         </p:spPr>
         <p:style>
           <a:lnRef idx="1">
@@ -4129,14 +3989,6 @@
           <a:prstGeom prst="rect">
             <a:avLst/>
           </a:prstGeom>
-          <a:solidFill>
-            <a:srgbClr val="DDEBF7"/>
-          </a:solidFill>
-          <a:ln w="12700">
-            <a:solidFill>
-              <a:srgbClr val="0070C0"/>
-            </a:solidFill>
-          </a:ln>
         </p:spPr>
         <p:style>
           <a:lnRef idx="1">
@@ -4176,14 +4028,6 @@
           <a:prstGeom prst="rect">
             <a:avLst/>
           </a:prstGeom>
-          <a:solidFill>
-            <a:srgbClr val="DDEBF7"/>
-          </a:solidFill>
-          <a:ln w="12700">
-            <a:solidFill>
-              <a:srgbClr val="0070C0"/>
-            </a:solidFill>
-          </a:ln>
         </p:spPr>
         <p:style>
           <a:lnRef idx="1">
@@ -4223,11 +4067,6 @@
           <a:prstGeom prst="line">
             <a:avLst/>
           </a:prstGeom>
-          <a:ln w="19050">
-            <a:solidFill>
-              <a:srgbClr val="0070C0"/>
-            </a:solidFill>
-          </a:ln>
         </p:spPr>
         <p:style>
           <a:lnRef idx="2">
@@ -4258,11 +4097,6 @@
           <a:prstGeom prst="bentConnector3">
             <a:avLst/>
           </a:prstGeom>
-          <a:ln w="19050">
-            <a:solidFill>
-              <a:srgbClr val="0070C0"/>
-            </a:solidFill>
-          </a:ln>
         </p:spPr>
         <p:style>
           <a:lnRef idx="2">
@@ -4293,11 +4127,6 @@
           <a:prstGeom prst="curvedConnector3">
             <a:avLst/>
           </a:prstGeom>
-          <a:ln w="19050">
-            <a:solidFill>
-              <a:srgbClr val="0070C0"/>
-            </a:solidFill>
-          </a:ln>
         </p:spPr>
         <p:style>
           <a:lnRef idx="2">
